--- a/docs/hudi-architecture.pptx
+++ b/docs/hudi-architecture.pptx
@@ -262,7 +262,7 @@
           <a:p>
             <a:fld id="{8215D956-8739-A045-BAB6-DAF3CA66066D}" type="datetimeFigureOut">
               <a:rPr lang="en-US" smtClean="0"/>
-              <a:t>11/11/20</a:t>
+              <a:t>11/13/20</a:t>
             </a:fld>
             <a:endParaRPr lang="en-US"/>
           </a:p>
@@ -460,7 +460,7 @@
           <a:p>
             <a:fld id="{8215D956-8739-A045-BAB6-DAF3CA66066D}" type="datetimeFigureOut">
               <a:rPr lang="en-US" smtClean="0"/>
-              <a:t>11/11/20</a:t>
+              <a:t>11/13/20</a:t>
             </a:fld>
             <a:endParaRPr lang="en-US"/>
           </a:p>
@@ -668,7 +668,7 @@
           <a:p>
             <a:fld id="{8215D956-8739-A045-BAB6-DAF3CA66066D}" type="datetimeFigureOut">
               <a:rPr lang="en-US" smtClean="0"/>
-              <a:t>11/11/20</a:t>
+              <a:t>11/13/20</a:t>
             </a:fld>
             <a:endParaRPr lang="en-US"/>
           </a:p>
@@ -866,7 +866,7 @@
           <a:p>
             <a:fld id="{8215D956-8739-A045-BAB6-DAF3CA66066D}" type="datetimeFigureOut">
               <a:rPr lang="en-US" smtClean="0"/>
-              <a:t>11/11/20</a:t>
+              <a:t>11/13/20</a:t>
             </a:fld>
             <a:endParaRPr lang="en-US"/>
           </a:p>
@@ -1141,7 +1141,7 @@
           <a:p>
             <a:fld id="{8215D956-8739-A045-BAB6-DAF3CA66066D}" type="datetimeFigureOut">
               <a:rPr lang="en-US" smtClean="0"/>
-              <a:t>11/11/20</a:t>
+              <a:t>11/13/20</a:t>
             </a:fld>
             <a:endParaRPr lang="en-US"/>
           </a:p>
@@ -1406,7 +1406,7 @@
           <a:p>
             <a:fld id="{8215D956-8739-A045-BAB6-DAF3CA66066D}" type="datetimeFigureOut">
               <a:rPr lang="en-US" smtClean="0"/>
-              <a:t>11/11/20</a:t>
+              <a:t>11/13/20</a:t>
             </a:fld>
             <a:endParaRPr lang="en-US"/>
           </a:p>
@@ -1818,7 +1818,7 @@
           <a:p>
             <a:fld id="{8215D956-8739-A045-BAB6-DAF3CA66066D}" type="datetimeFigureOut">
               <a:rPr lang="en-US" smtClean="0"/>
-              <a:t>11/11/20</a:t>
+              <a:t>11/13/20</a:t>
             </a:fld>
             <a:endParaRPr lang="en-US"/>
           </a:p>
@@ -1959,7 +1959,7 @@
           <a:p>
             <a:fld id="{8215D956-8739-A045-BAB6-DAF3CA66066D}" type="datetimeFigureOut">
               <a:rPr lang="en-US" smtClean="0"/>
-              <a:t>11/11/20</a:t>
+              <a:t>11/13/20</a:t>
             </a:fld>
             <a:endParaRPr lang="en-US"/>
           </a:p>
@@ -2072,7 +2072,7 @@
           <a:p>
             <a:fld id="{8215D956-8739-A045-BAB6-DAF3CA66066D}" type="datetimeFigureOut">
               <a:rPr lang="en-US" smtClean="0"/>
-              <a:t>11/11/20</a:t>
+              <a:t>11/13/20</a:t>
             </a:fld>
             <a:endParaRPr lang="en-US"/>
           </a:p>
@@ -2383,7 +2383,7 @@
           <a:p>
             <a:fld id="{8215D956-8739-A045-BAB6-DAF3CA66066D}" type="datetimeFigureOut">
               <a:rPr lang="en-US" smtClean="0"/>
-              <a:t>11/11/20</a:t>
+              <a:t>11/13/20</a:t>
             </a:fld>
             <a:endParaRPr lang="en-US"/>
           </a:p>
@@ -2671,7 +2671,7 @@
           <a:p>
             <a:fld id="{8215D956-8739-A045-BAB6-DAF3CA66066D}" type="datetimeFigureOut">
               <a:rPr lang="en-US" smtClean="0"/>
-              <a:t>11/11/20</a:t>
+              <a:t>11/13/20</a:t>
             </a:fld>
             <a:endParaRPr lang="en-US"/>
           </a:p>
@@ -2912,7 +2912,7 @@
           <a:p>
             <a:fld id="{8215D956-8739-A045-BAB6-DAF3CA66066D}" type="datetimeFigureOut">
               <a:rPr lang="en-US" smtClean="0"/>
-              <a:t>11/11/20</a:t>
+              <a:t>11/13/20</a:t>
             </a:fld>
             <a:endParaRPr lang="en-US"/>
           </a:p>
@@ -3352,15 +3352,7 @@
           <a:p>
             <a:r>
               <a:rPr lang="en-US" dirty="0"/>
-              <a:t>AWS </a:t>
-            </a:r>
-            <a:r>
-              <a:rPr lang="en-US" dirty="0" err="1"/>
-              <a:t>Hudi</a:t>
-            </a:r>
-            <a:r>
-              <a:rPr lang="en-US" dirty="0"/>
-              <a:t> POC</a:t>
+              <a:t>AWS Hudi POC</a:t>
             </a:r>
           </a:p>
         </p:txBody>
@@ -3388,15 +3380,7 @@
           <a:p>
             <a:r>
               <a:rPr lang="en-US" dirty="0"/>
-              <a:t>Demonstrate a simple </a:t>
-            </a:r>
-            <a:r>
-              <a:rPr lang="en-US" dirty="0" err="1"/>
-              <a:t>Hudi</a:t>
-            </a:r>
-            <a:r>
-              <a:rPr lang="en-US" dirty="0"/>
-              <a:t> data workflow in AWS</a:t>
+              <a:t>Demonstrate a simple Hudi data workflow in AWS</a:t>
             </a:r>
           </a:p>
         </p:txBody>
@@ -4443,20 +4427,12 @@
           <a:p>
             <a:pPr algn="ctr" eaLnBrk="1" hangingPunct="1"/>
             <a:r>
-              <a:rPr lang="en-US" altLang="en-US" sz="1400" dirty="0" err="1">
-                <a:latin typeface="Arial" panose="020B0604020202020204" pitchFamily="34" charset="0"/>
-                <a:ea typeface="Amazon Ember" panose="020B0603020204020204" pitchFamily="34" charset="0"/>
-                <a:cs typeface="Arial" panose="020B0604020202020204" pitchFamily="34" charset="0"/>
-              </a:rPr>
-              <a:t>Hudi</a:t>
-            </a:r>
-            <a:r>
               <a:rPr lang="en-US" altLang="en-US" sz="1400" dirty="0">
                 <a:latin typeface="Arial" panose="020B0604020202020204" pitchFamily="34" charset="0"/>
                 <a:ea typeface="Amazon Ember" panose="020B0603020204020204" pitchFamily="34" charset="0"/>
                 <a:cs typeface="Arial" panose="020B0604020202020204" pitchFamily="34" charset="0"/>
               </a:rPr>
-              <a:t> Tables</a:t>
+              <a:t>Hudi Tables</a:t>
             </a:r>
           </a:p>
         </p:txBody>
@@ -4875,10 +4851,9 @@
           <a:lstStyle/>
           <a:p>
             <a:r>
-              <a:rPr lang="en-US" sz="1200" b="1" dirty="0" err="1"/>
+              <a:rPr lang="en-US" sz="1200" b="1" dirty="0"/>
               <a:t>DeltaStreamer</a:t>
             </a:r>
-            <a:endParaRPr lang="en-US" sz="1200" b="1" dirty="0"/>
           </a:p>
           <a:p>
             <a:r>
@@ -5823,45 +5798,21 @@
             <a:pPr fontAlgn="ctr"/>
             <a:r>
               <a:rPr lang="en-US" sz="2000" dirty="0"/>
-              <a:t>Demonstrate data migration and replication from an RDS database to a </a:t>
-            </a:r>
-            <a:r>
-              <a:rPr lang="en-US" sz="2000" dirty="0" err="1"/>
-              <a:t>Hudi</a:t>
-            </a:r>
+              <a:t>Demonstrate data migration and replication from an RDS database to a Hudi structure</a:t>
+            </a:r>
+          </a:p>
+          <a:p>
+            <a:pPr fontAlgn="ctr"/>
             <a:r>
               <a:rPr lang="en-US" sz="2000" dirty="0"/>
-              <a:t> structure</a:t>
+              <a:t>Showcase AWS DMS with CDC and EMR for Apache Hudi </a:t>
             </a:r>
           </a:p>
           <a:p>
             <a:pPr fontAlgn="ctr"/>
             <a:r>
               <a:rPr lang="en-US" sz="2000" dirty="0"/>
-              <a:t>Showcase AWS DMS with CDC and Transient EMR for Apache </a:t>
-            </a:r>
-            <a:r>
-              <a:rPr lang="en-US" sz="2000" dirty="0" err="1"/>
-              <a:t>Hudi</a:t>
-            </a:r>
-            <a:r>
-              <a:rPr lang="en-US" sz="2000" dirty="0"/>
-              <a:t> </a:t>
-            </a:r>
-          </a:p>
-          <a:p>
-            <a:pPr fontAlgn="ctr"/>
-            <a:r>
-              <a:rPr lang="en-US" sz="2000" dirty="0"/>
-              <a:t>Demonstrate </a:t>
-            </a:r>
-            <a:r>
-              <a:rPr lang="en-US" sz="2000" dirty="0" err="1"/>
-              <a:t>Hudi</a:t>
-            </a:r>
-            <a:r>
-              <a:rPr lang="en-US" sz="2000" dirty="0"/>
-              <a:t> table ability to handle "late arrival" type of data</a:t>
+              <a:t>Demonstrate Hudi table ability to handle "late arrival" type of data</a:t>
             </a:r>
           </a:p>
           <a:p>
@@ -6021,12 +5972,8 @@
           <a:p>
             <a:pPr fontAlgn="ctr"/>
             <a:r>
-              <a:rPr lang="en-US" sz="2400" dirty="0" err="1"/>
-              <a:t>Hudi</a:t>
-            </a:r>
-            <a:r>
               <a:rPr lang="en-US" sz="2400" dirty="0"/>
-              <a:t> tables stored on S3 - Curated bucket</a:t>
+              <a:t>Hudi tables stored on S3 - Curated bucket</a:t>
             </a:r>
           </a:p>
           <a:p>

--- a/docs/hudi-architecture.pptx
+++ b/docs/hudi-architecture.pptx
@@ -9,6 +9,7 @@
     <p:sldId id="257" r:id="rId3"/>
     <p:sldId id="258" r:id="rId4"/>
     <p:sldId id="259" r:id="rId5"/>
+    <p:sldId id="260" r:id="rId6"/>
   </p:sldIdLst>
   <p:sldSz cx="12192000" cy="6858000"/>
   <p:notesSz cx="6858000" cy="9144000"/>
@@ -262,7 +263,7 @@
           <a:p>
             <a:fld id="{8215D956-8739-A045-BAB6-DAF3CA66066D}" type="datetimeFigureOut">
               <a:rPr lang="en-US" smtClean="0"/>
-              <a:t>11/13/20</a:t>
+              <a:t>2/4/21</a:t>
             </a:fld>
             <a:endParaRPr lang="en-US"/>
           </a:p>
@@ -460,7 +461,7 @@
           <a:p>
             <a:fld id="{8215D956-8739-A045-BAB6-DAF3CA66066D}" type="datetimeFigureOut">
               <a:rPr lang="en-US" smtClean="0"/>
-              <a:t>11/13/20</a:t>
+              <a:t>2/4/21</a:t>
             </a:fld>
             <a:endParaRPr lang="en-US"/>
           </a:p>
@@ -668,7 +669,7 @@
           <a:p>
             <a:fld id="{8215D956-8739-A045-BAB6-DAF3CA66066D}" type="datetimeFigureOut">
               <a:rPr lang="en-US" smtClean="0"/>
-              <a:t>11/13/20</a:t>
+              <a:t>2/4/21</a:t>
             </a:fld>
             <a:endParaRPr lang="en-US"/>
           </a:p>
@@ -866,7 +867,7 @@
           <a:p>
             <a:fld id="{8215D956-8739-A045-BAB6-DAF3CA66066D}" type="datetimeFigureOut">
               <a:rPr lang="en-US" smtClean="0"/>
-              <a:t>11/13/20</a:t>
+              <a:t>2/4/21</a:t>
             </a:fld>
             <a:endParaRPr lang="en-US"/>
           </a:p>
@@ -1141,7 +1142,7 @@
           <a:p>
             <a:fld id="{8215D956-8739-A045-BAB6-DAF3CA66066D}" type="datetimeFigureOut">
               <a:rPr lang="en-US" smtClean="0"/>
-              <a:t>11/13/20</a:t>
+              <a:t>2/4/21</a:t>
             </a:fld>
             <a:endParaRPr lang="en-US"/>
           </a:p>
@@ -1406,7 +1407,7 @@
           <a:p>
             <a:fld id="{8215D956-8739-A045-BAB6-DAF3CA66066D}" type="datetimeFigureOut">
               <a:rPr lang="en-US" smtClean="0"/>
-              <a:t>11/13/20</a:t>
+              <a:t>2/4/21</a:t>
             </a:fld>
             <a:endParaRPr lang="en-US"/>
           </a:p>
@@ -1818,7 +1819,7 @@
           <a:p>
             <a:fld id="{8215D956-8739-A045-BAB6-DAF3CA66066D}" type="datetimeFigureOut">
               <a:rPr lang="en-US" smtClean="0"/>
-              <a:t>11/13/20</a:t>
+              <a:t>2/4/21</a:t>
             </a:fld>
             <a:endParaRPr lang="en-US"/>
           </a:p>
@@ -1959,7 +1960,7 @@
           <a:p>
             <a:fld id="{8215D956-8739-A045-BAB6-DAF3CA66066D}" type="datetimeFigureOut">
               <a:rPr lang="en-US" smtClean="0"/>
-              <a:t>11/13/20</a:t>
+              <a:t>2/4/21</a:t>
             </a:fld>
             <a:endParaRPr lang="en-US"/>
           </a:p>
@@ -2072,7 +2073,7 @@
           <a:p>
             <a:fld id="{8215D956-8739-A045-BAB6-DAF3CA66066D}" type="datetimeFigureOut">
               <a:rPr lang="en-US" smtClean="0"/>
-              <a:t>11/13/20</a:t>
+              <a:t>2/4/21</a:t>
             </a:fld>
             <a:endParaRPr lang="en-US"/>
           </a:p>
@@ -2383,7 +2384,7 @@
           <a:p>
             <a:fld id="{8215D956-8739-A045-BAB6-DAF3CA66066D}" type="datetimeFigureOut">
               <a:rPr lang="en-US" smtClean="0"/>
-              <a:t>11/13/20</a:t>
+              <a:t>2/4/21</a:t>
             </a:fld>
             <a:endParaRPr lang="en-US"/>
           </a:p>
@@ -2671,7 +2672,7 @@
           <a:p>
             <a:fld id="{8215D956-8739-A045-BAB6-DAF3CA66066D}" type="datetimeFigureOut">
               <a:rPr lang="en-US" smtClean="0"/>
-              <a:t>11/13/20</a:t>
+              <a:t>2/4/21</a:t>
             </a:fld>
             <a:endParaRPr lang="en-US"/>
           </a:p>
@@ -2912,7 +2913,7 @@
           <a:p>
             <a:fld id="{8215D956-8739-A045-BAB6-DAF3CA66066D}" type="datetimeFigureOut">
               <a:rPr lang="en-US" smtClean="0"/>
-              <a:t>11/13/20</a:t>
+              <a:t>2/4/21</a:t>
             </a:fld>
             <a:endParaRPr lang="en-US"/>
           </a:p>
@@ -6042,6 +6043,195 @@
 </p:sld>
 </file>
 
+<file path=ppt/slides/slide5.xml><?xml version="1.0" encoding="utf-8"?>
+<p:sld xmlns:a="http://schemas.openxmlformats.org/drawingml/2006/main" xmlns:r="http://schemas.openxmlformats.org/officeDocument/2006/relationships" xmlns:p="http://schemas.openxmlformats.org/presentationml/2006/main">
+  <p:cSld>
+    <p:spTree>
+      <p:nvGrpSpPr>
+        <p:cNvPr id="1" name=""/>
+        <p:cNvGrpSpPr/>
+        <p:nvPr/>
+      </p:nvGrpSpPr>
+      <p:grpSpPr>
+        <a:xfrm>
+          <a:off x="0" y="0"/>
+          <a:ext cx="0" cy="0"/>
+          <a:chOff x="0" y="0"/>
+          <a:chExt cx="0" cy="0"/>
+        </a:xfrm>
+      </p:grpSpPr>
+      <p:sp>
+        <p:nvSpPr>
+          <p:cNvPr id="3" name="Content Placeholder 2">
+            <a:extLst>
+              <a:ext uri="{FF2B5EF4-FFF2-40B4-BE49-F238E27FC236}">
+                <a16:creationId xmlns:a16="http://schemas.microsoft.com/office/drawing/2014/main" id="{16A4A1A4-E8B6-184A-BEC6-9DD86F4C4510}"/>
+              </a:ext>
+            </a:extLst>
+          </p:cNvPr>
+          <p:cNvSpPr>
+            <a:spLocks noGrp="1"/>
+          </p:cNvSpPr>
+          <p:nvPr>
+            <p:ph idx="1"/>
+          </p:nvPr>
+        </p:nvSpPr>
+        <p:spPr>
+          <a:xfrm>
+            <a:off x="838200" y="822251"/>
+            <a:ext cx="10515600" cy="5354712"/>
+          </a:xfrm>
+        </p:spPr>
+        <p:txBody>
+          <a:bodyPr>
+            <a:normAutofit/>
+          </a:bodyPr>
+          <a:lstStyle/>
+          <a:p>
+            <a:pPr fontAlgn="ctr"/>
+            <a:endParaRPr lang="en-US" sz="1800" dirty="0"/>
+          </a:p>
+          <a:p>
+            <a:pPr marL="0" indent="0" fontAlgn="ctr">
+              <a:buNone/>
+            </a:pPr>
+            <a:r>
+              <a:rPr lang="en-US" sz="2400" dirty="0"/>
+              <a:t>Pros</a:t>
+            </a:r>
+          </a:p>
+          <a:p>
+            <a:pPr marL="0" indent="0" fontAlgn="ctr">
+              <a:buNone/>
+            </a:pPr>
+            <a:endParaRPr lang="en-US" sz="1800" dirty="0"/>
+          </a:p>
+          <a:p>
+            <a:pPr fontAlgn="ctr"/>
+            <a:r>
+              <a:rPr lang="en-US" sz="1800" dirty="0"/>
+              <a:t>Solve the problem of aggregating incremental uploads into an original snapshot view of the data.</a:t>
+            </a:r>
+          </a:p>
+          <a:p>
+            <a:pPr fontAlgn="ctr"/>
+            <a:r>
+              <a:rPr lang="en-US" sz="1800" dirty="0"/>
+              <a:t>Made to handle big data. Performance can be tuned based on the strategy </a:t>
+            </a:r>
+            <a:r>
+              <a:rPr lang="en-US" sz="1800"/>
+              <a:t>of implementation.</a:t>
+            </a:r>
+            <a:endParaRPr lang="en-US" sz="1800" dirty="0"/>
+          </a:p>
+          <a:p>
+            <a:pPr fontAlgn="ctr"/>
+            <a:r>
+              <a:rPr lang="en-US" sz="1800" dirty="0"/>
+              <a:t>Compatibility with Hive, </a:t>
+            </a:r>
+            <a:r>
+              <a:rPr lang="en-US" sz="1800" dirty="0" err="1"/>
+              <a:t>SqlSpark</a:t>
+            </a:r>
+            <a:r>
+              <a:rPr lang="en-US" sz="1800" dirty="0"/>
+              <a:t>, Presto, AWS Athena</a:t>
+            </a:r>
+          </a:p>
+          <a:p>
+            <a:pPr fontAlgn="ctr"/>
+            <a:r>
+              <a:rPr lang="en-US" sz="1800" dirty="0"/>
+              <a:t>Can process batch (copy-on-write table) and streaming (merge-on-read table) jobs.</a:t>
+            </a:r>
+          </a:p>
+          <a:p>
+            <a:pPr fontAlgn="ctr"/>
+            <a:r>
+              <a:rPr lang="en-US" sz="1800" dirty="0"/>
+              <a:t>AWS just released a </a:t>
+            </a:r>
+            <a:r>
+              <a:rPr lang="en-US" sz="1800" dirty="0">
+                <a:hlinkClick r:id="rId2"/>
+              </a:rPr>
+              <a:t>Glue Hudi Connector</a:t>
+            </a:r>
+            <a:r>
+              <a:rPr lang="en-US" sz="1800" dirty="0"/>
+              <a:t> that would make it easy to be used on AWS.</a:t>
+            </a:r>
+          </a:p>
+          <a:p>
+            <a:pPr marL="0" indent="0">
+              <a:buNone/>
+            </a:pPr>
+            <a:endParaRPr lang="en-US" sz="2000" dirty="0"/>
+          </a:p>
+          <a:p>
+            <a:pPr marL="0" indent="0">
+              <a:buNone/>
+            </a:pPr>
+            <a:r>
+              <a:rPr lang="en-US" sz="2000" dirty="0"/>
+              <a:t>Cons</a:t>
+            </a:r>
+          </a:p>
+          <a:p>
+            <a:pPr fontAlgn="ctr"/>
+            <a:r>
+              <a:rPr lang="en-US" sz="1800" dirty="0"/>
+              <a:t>Relatively complex to set it up. Requires specific configuration and classes.</a:t>
+            </a:r>
+          </a:p>
+          <a:p>
+            <a:pPr fontAlgn="ctr"/>
+            <a:r>
+              <a:rPr lang="en-US" sz="1800" dirty="0"/>
+              <a:t>Relatively complex to load into Snowflake. (Could use </a:t>
+            </a:r>
+            <a:r>
+              <a:rPr lang="en-US" sz="1800" dirty="0">
+                <a:hlinkClick r:id="rId3"/>
+              </a:rPr>
+              <a:t>AWS Glue Connector for Snowflake</a:t>
+            </a:r>
+            <a:r>
+              <a:rPr lang="en-US" sz="1800" dirty="0"/>
+              <a:t>)</a:t>
+            </a:r>
+          </a:p>
+          <a:p>
+            <a:pPr fontAlgn="ctr"/>
+            <a:endParaRPr lang="en-US" sz="1800" dirty="0"/>
+          </a:p>
+          <a:p>
+            <a:pPr fontAlgn="ctr"/>
+            <a:endParaRPr lang="en-US" sz="1800" dirty="0"/>
+          </a:p>
+          <a:p>
+            <a:pPr marL="0" indent="0">
+              <a:buNone/>
+            </a:pPr>
+            <a:endParaRPr lang="en-US" sz="2000" dirty="0"/>
+          </a:p>
+        </p:txBody>
+      </p:sp>
+    </p:spTree>
+    <p:extLst>
+      <p:ext uri="{BB962C8B-B14F-4D97-AF65-F5344CB8AC3E}">
+        <p14:creationId xmlns:p14="http://schemas.microsoft.com/office/powerpoint/2010/main" val="3782804925"/>
+      </p:ext>
+    </p:extLst>
+  </p:cSld>
+  <p:clrMapOvr>
+    <a:masterClrMapping/>
+  </p:clrMapOvr>
+</p:sld>
+</file>
+
 <file path=ppt/theme/theme1.xml><?xml version="1.0" encoding="utf-8"?>
 <a:theme xmlns:a="http://schemas.openxmlformats.org/drawingml/2006/main" name="Office Theme">
   <a:themeElements>
